--- a/天陰天晴天下雨.pptx
+++ b/天陰天晴天下雨.pptx
@@ -5,8 +5,11 @@
     <p:sldMasterId id="2147483660" r:id="rId1"/>
   </p:sldMasterIdLst>
   <p:sldIdLst>
-    <p:sldId id="257" r:id="rId2"/>
-    <p:sldId id="258" r:id="rId3"/>
+    <p:sldId id="259" r:id="rId2"/>
+    <p:sldId id="260" r:id="rId3"/>
+    <p:sldId id="261" r:id="rId4"/>
+    <p:sldId id="262" r:id="rId5"/>
+    <p:sldId id="263" r:id="rId6"/>
   </p:sldIdLst>
   <p:sldSz cx="9144000" cy="5143500" type="screen16x9"/>
   <p:notesSz cx="6858000" cy="9144000"/>
@@ -105,6 +108,22 @@
       </a:defRPr>
     </a:lvl9pPr>
   </p:defaultTextStyle>
+  <p:extLst>
+    <p:ext uri="{EFAFB233-063F-42B5-8137-9DF3F51BA10A}">
+      <p15:sldGuideLst xmlns:p15="http://schemas.microsoft.com/office/powerpoint/2012/main">
+        <p15:guide id="1" orient="horz" pos="1620">
+          <p15:clr>
+            <a:srgbClr val="A4A3A4"/>
+          </p15:clr>
+        </p15:guide>
+        <p15:guide id="2" pos="2880">
+          <p15:clr>
+            <a:srgbClr val="A4A3A4"/>
+          </p15:clr>
+        </p15:guide>
+      </p15:sldGuideLst>
+    </p:ext>
+  </p:extLst>
 </p:presentation>
 </file>
 
@@ -289,7 +308,7 @@
           <a:p>
             <a:fld id="{603994E9-92C3-41C8-912A-28B65D1F2B45}" type="datetimeFigureOut">
               <a:rPr lang="zh-TW" altLang="en-US" smtClean="0"/>
-              <a:t>2020/7/26</a:t>
+              <a:t>2023/2/11</a:t>
             </a:fld>
             <a:endParaRPr lang="zh-TW" altLang="en-US"/>
           </a:p>
@@ -454,7 +473,7 @@
           <a:p>
             <a:fld id="{603994E9-92C3-41C8-912A-28B65D1F2B45}" type="datetimeFigureOut">
               <a:rPr lang="zh-TW" altLang="en-US" smtClean="0"/>
-              <a:t>2020/7/26</a:t>
+              <a:t>2023/2/11</a:t>
             </a:fld>
             <a:endParaRPr lang="zh-TW" altLang="en-US"/>
           </a:p>
@@ -629,7 +648,7 @@
           <a:p>
             <a:fld id="{603994E9-92C3-41C8-912A-28B65D1F2B45}" type="datetimeFigureOut">
               <a:rPr lang="zh-TW" altLang="en-US" smtClean="0"/>
-              <a:t>2020/7/26</a:t>
+              <a:t>2023/2/11</a:t>
             </a:fld>
             <a:endParaRPr lang="zh-TW" altLang="en-US"/>
           </a:p>
@@ -794,7 +813,7 @@
           <a:p>
             <a:fld id="{603994E9-92C3-41C8-912A-28B65D1F2B45}" type="datetimeFigureOut">
               <a:rPr lang="zh-TW" altLang="en-US" smtClean="0"/>
-              <a:t>2020/7/26</a:t>
+              <a:t>2023/2/11</a:t>
             </a:fld>
             <a:endParaRPr lang="zh-TW" altLang="en-US"/>
           </a:p>
@@ -1035,7 +1054,7 @@
           <a:p>
             <a:fld id="{603994E9-92C3-41C8-912A-28B65D1F2B45}" type="datetimeFigureOut">
               <a:rPr lang="zh-TW" altLang="en-US" smtClean="0"/>
-              <a:t>2020/7/26</a:t>
+              <a:t>2023/2/11</a:t>
             </a:fld>
             <a:endParaRPr lang="zh-TW" altLang="en-US"/>
           </a:p>
@@ -1318,7 +1337,7 @@
           <a:p>
             <a:fld id="{603994E9-92C3-41C8-912A-28B65D1F2B45}" type="datetimeFigureOut">
               <a:rPr lang="zh-TW" altLang="en-US" smtClean="0"/>
-              <a:t>2020/7/26</a:t>
+              <a:t>2023/2/11</a:t>
             </a:fld>
             <a:endParaRPr lang="zh-TW" altLang="en-US"/>
           </a:p>
@@ -1735,7 +1754,7 @@
           <a:p>
             <a:fld id="{603994E9-92C3-41C8-912A-28B65D1F2B45}" type="datetimeFigureOut">
               <a:rPr lang="zh-TW" altLang="en-US" smtClean="0"/>
-              <a:t>2020/7/26</a:t>
+              <a:t>2023/2/11</a:t>
             </a:fld>
             <a:endParaRPr lang="zh-TW" altLang="en-US"/>
           </a:p>
@@ -1848,7 +1867,7 @@
           <a:p>
             <a:fld id="{603994E9-92C3-41C8-912A-28B65D1F2B45}" type="datetimeFigureOut">
               <a:rPr lang="zh-TW" altLang="en-US" smtClean="0"/>
-              <a:t>2020/7/26</a:t>
+              <a:t>2023/2/11</a:t>
             </a:fld>
             <a:endParaRPr lang="zh-TW" altLang="en-US"/>
           </a:p>
@@ -1938,7 +1957,7 @@
           <a:p>
             <a:fld id="{603994E9-92C3-41C8-912A-28B65D1F2B45}" type="datetimeFigureOut">
               <a:rPr lang="zh-TW" altLang="en-US" smtClean="0"/>
-              <a:t>2020/7/26</a:t>
+              <a:t>2023/2/11</a:t>
             </a:fld>
             <a:endParaRPr lang="zh-TW" altLang="en-US"/>
           </a:p>
@@ -2210,7 +2229,7 @@
           <a:p>
             <a:fld id="{603994E9-92C3-41C8-912A-28B65D1F2B45}" type="datetimeFigureOut">
               <a:rPr lang="zh-TW" altLang="en-US" smtClean="0"/>
-              <a:t>2020/7/26</a:t>
+              <a:t>2023/2/11</a:t>
             </a:fld>
             <a:endParaRPr lang="zh-TW" altLang="en-US"/>
           </a:p>
@@ -2462,7 +2481,7 @@
           <a:p>
             <a:fld id="{603994E9-92C3-41C8-912A-28B65D1F2B45}" type="datetimeFigureOut">
               <a:rPr lang="zh-TW" altLang="en-US" smtClean="0"/>
-              <a:t>2020/7/26</a:t>
+              <a:t>2023/2/11</a:t>
             </a:fld>
             <a:endParaRPr lang="zh-TW" altLang="en-US"/>
           </a:p>
@@ -2675,7 +2694,7 @@
           <a:p>
             <a:fld id="{603994E9-92C3-41C8-912A-28B65D1F2B45}" type="datetimeFigureOut">
               <a:rPr lang="zh-TW" altLang="en-US" smtClean="0"/>
-              <a:t>2020/7/26</a:t>
+              <a:t>2023/2/11</a:t>
             </a:fld>
             <a:endParaRPr lang="zh-TW" altLang="en-US"/>
           </a:p>
@@ -3047,7 +3066,7 @@
       </p:grpSpPr>
       <p:sp>
         <p:nvSpPr>
-          <p:cNvPr id="2" name="標題 1"/>
+          <p:cNvPr id="4" name="標題 3"/>
           <p:cNvSpPr>
             <a:spLocks noGrp="1"/>
           </p:cNvSpPr>
@@ -3055,203 +3074,61 @@
             <p:ph type="title"/>
           </p:nvPr>
         </p:nvSpPr>
-        <p:spPr/>
+        <p:spPr>
+          <a:xfrm>
+            <a:off x="0" y="1995686"/>
+            <a:ext cx="9144000" cy="857250"/>
+          </a:xfrm>
+        </p:spPr>
         <p:txBody>
           <a:bodyPr>
-            <a:normAutofit/>
+            <a:noAutofit/>
           </a:bodyPr>
           <a:lstStyle/>
           <a:p>
             <a:r>
-              <a:rPr lang="zh-TW" altLang="en-US" sz="4000" b="1" dirty="0" smtClean="0">
-                <a:solidFill>
-                  <a:srgbClr val="002060"/>
-                </a:solidFill>
+              <a:rPr lang="zh-TW" altLang="en-US" sz="5400" b="1" i="1" dirty="0" smtClean="0">
+                <a:solidFill>
+                  <a:srgbClr val="000066"/>
+                </a:solidFill>
+                <a:effectLst>
+                  <a:outerShdw blurRad="38100" dist="38100" dir="2700000" algn="tl">
+                    <a:srgbClr val="000000">
+                      <a:alpha val="43137"/>
+                    </a:srgbClr>
+                  </a:outerShdw>
+                </a:effectLst>
                 <a:latin typeface="微軟正黑體" pitchFamily="34" charset="-120"/>
                 <a:ea typeface="微軟正黑體" pitchFamily="34" charset="-120"/>
               </a:rPr>
-              <a:t>天陰天晴天下雨</a:t>
-            </a:r>
-            <a:endParaRPr lang="zh-TW" altLang="en-US" sz="4000" b="1" dirty="0">
-              <a:solidFill>
-                <a:srgbClr val="002060"/>
-              </a:solidFill>
-              <a:latin typeface="微軟正黑體" pitchFamily="34" charset="-120"/>
-              <a:ea typeface="微軟正黑體" pitchFamily="34" charset="-120"/>
-            </a:endParaRPr>
-          </a:p>
-        </p:txBody>
-      </p:sp>
-      <p:sp>
-        <p:nvSpPr>
-          <p:cNvPr id="3" name="內容版面配置區 2"/>
-          <p:cNvSpPr>
-            <a:spLocks noGrp="1"/>
-          </p:cNvSpPr>
-          <p:nvPr>
-            <p:ph idx="1"/>
-          </p:nvPr>
-        </p:nvSpPr>
-        <p:spPr/>
-        <p:txBody>
-          <a:bodyPr>
-            <a:noAutofit/>
-          </a:bodyPr>
-          <a:lstStyle/>
-          <a:p>
-            <a:pPr algn="ctr">
-              <a:buNone/>
-            </a:pPr>
-            <a:r>
-              <a:rPr lang="zh-TW" altLang="en-US" sz="4800" b="1" dirty="0" smtClean="0">
-                <a:solidFill>
-                  <a:srgbClr val="002060"/>
-                </a:solidFill>
+              <a:t>天</a:t>
+            </a:r>
+            <a:r>
+              <a:rPr lang="zh-TW" altLang="en-US" sz="5400" b="1" i="1" dirty="0">
+                <a:solidFill>
+                  <a:srgbClr val="000066"/>
+                </a:solidFill>
+                <a:effectLst>
+                  <a:outerShdw blurRad="38100" dist="38100" dir="2700000" algn="tl">
+                    <a:srgbClr val="000000">
+                      <a:alpha val="43137"/>
+                    </a:srgbClr>
+                  </a:outerShdw>
+                </a:effectLst>
                 <a:latin typeface="微軟正黑體" pitchFamily="34" charset="-120"/>
                 <a:ea typeface="微軟正黑體" pitchFamily="34" charset="-120"/>
               </a:rPr>
-              <a:t>平平凡凡的</a:t>
-            </a:r>
-            <a:r>
-              <a:rPr lang="zh-TW" altLang="en-US" sz="4800" b="1" dirty="0" smtClean="0">
-                <a:solidFill>
-                  <a:srgbClr val="002060"/>
-                </a:solidFill>
-                <a:latin typeface="微軟正黑體" pitchFamily="34" charset="-120"/>
-                <a:ea typeface="微軟正黑體" pitchFamily="34" charset="-120"/>
-              </a:rPr>
-              <a:t>人兒</a:t>
-            </a:r>
-            <a:endParaRPr lang="en-US" altLang="zh-TW" sz="4800" b="1" dirty="0" smtClean="0">
-              <a:solidFill>
-                <a:srgbClr val="002060"/>
-              </a:solidFill>
-              <a:latin typeface="微軟正黑體" pitchFamily="34" charset="-120"/>
-              <a:ea typeface="微軟正黑體" pitchFamily="34" charset="-120"/>
-            </a:endParaRPr>
-          </a:p>
-          <a:p>
-            <a:pPr algn="ctr">
-              <a:buNone/>
-            </a:pPr>
-            <a:r>
-              <a:rPr lang="zh-TW" altLang="en-US" sz="4800" b="1" dirty="0" smtClean="0">
-                <a:solidFill>
-                  <a:srgbClr val="002060"/>
-                </a:solidFill>
-                <a:latin typeface="微軟正黑體" pitchFamily="34" charset="-120"/>
-                <a:ea typeface="微軟正黑體" pitchFamily="34" charset="-120"/>
-              </a:rPr>
-              <a:t>和平</a:t>
-            </a:r>
-            <a:r>
-              <a:rPr lang="zh-TW" altLang="en-US" sz="4800" b="1" dirty="0" smtClean="0">
-                <a:solidFill>
-                  <a:srgbClr val="002060"/>
-                </a:solidFill>
-                <a:latin typeface="微軟正黑體" pitchFamily="34" charset="-120"/>
-                <a:ea typeface="微軟正黑體" pitchFamily="34" charset="-120"/>
-              </a:rPr>
-              <a:t>平凡凡的</a:t>
-            </a:r>
-            <a:r>
-              <a:rPr lang="zh-TW" altLang="en-US" sz="4800" b="1" dirty="0" smtClean="0">
-                <a:solidFill>
-                  <a:srgbClr val="002060"/>
-                </a:solidFill>
-                <a:latin typeface="微軟正黑體" pitchFamily="34" charset="-120"/>
-                <a:ea typeface="微軟正黑體" pitchFamily="34" charset="-120"/>
-              </a:rPr>
-              <a:t>笑臉</a:t>
-            </a:r>
-            <a:endParaRPr lang="en-US" altLang="zh-TW" sz="4800" b="1" dirty="0" smtClean="0">
-              <a:solidFill>
-                <a:srgbClr val="002060"/>
-              </a:solidFill>
-              <a:latin typeface="微軟正黑體" pitchFamily="34" charset="-120"/>
-              <a:ea typeface="微軟正黑體" pitchFamily="34" charset="-120"/>
-            </a:endParaRPr>
-          </a:p>
-          <a:p>
-            <a:pPr algn="ctr">
-              <a:buNone/>
-            </a:pPr>
-            <a:r>
-              <a:rPr lang="zh-TW" altLang="en-US" sz="4800" b="1" dirty="0" smtClean="0">
-                <a:solidFill>
-                  <a:srgbClr val="002060"/>
-                </a:solidFill>
-                <a:latin typeface="微軟正黑體" pitchFamily="34" charset="-120"/>
-                <a:ea typeface="微軟正黑體" pitchFamily="34" charset="-120"/>
-              </a:rPr>
-              <a:t>是怪  或是醜</a:t>
-            </a:r>
-            <a:r>
-              <a:rPr lang="en-US" altLang="zh-TW" sz="4800" b="1" dirty="0" smtClean="0">
-                <a:solidFill>
-                  <a:srgbClr val="002060"/>
-                </a:solidFill>
-                <a:latin typeface="微軟正黑體" pitchFamily="34" charset="-120"/>
-                <a:ea typeface="微軟正黑體" pitchFamily="34" charset="-120"/>
-              </a:rPr>
-              <a:t>  </a:t>
-            </a:r>
-            <a:r>
-              <a:rPr lang="zh-TW" altLang="en-US" sz="4800" b="1" dirty="0" smtClean="0">
-                <a:solidFill>
-                  <a:srgbClr val="002060"/>
-                </a:solidFill>
-                <a:latin typeface="微軟正黑體" pitchFamily="34" charset="-120"/>
-                <a:ea typeface="微軟正黑體" pitchFamily="34" charset="-120"/>
-              </a:rPr>
-              <a:t>或是</a:t>
-            </a:r>
-            <a:r>
-              <a:rPr lang="zh-TW" altLang="en-US" sz="4800" b="1" dirty="0" smtClean="0">
-                <a:solidFill>
-                  <a:srgbClr val="002060"/>
-                </a:solidFill>
-                <a:latin typeface="微軟正黑體" pitchFamily="34" charset="-120"/>
-                <a:ea typeface="微軟正黑體" pitchFamily="34" charset="-120"/>
-              </a:rPr>
-              <a:t>多</a:t>
-            </a:r>
-            <a:r>
-              <a:rPr lang="zh-TW" altLang="en-US" sz="4800" b="1" dirty="0" smtClean="0">
-                <a:solidFill>
-                  <a:srgbClr val="002060"/>
-                </a:solidFill>
-                <a:latin typeface="微軟正黑體" pitchFamily="34" charset="-120"/>
-                <a:ea typeface="微軟正黑體" pitchFamily="34" charset="-120"/>
-              </a:rPr>
-              <a:t>漂亮</a:t>
-            </a:r>
-            <a:endParaRPr lang="en-US" altLang="zh-TW" sz="4800" b="1" dirty="0" smtClean="0">
-              <a:solidFill>
-                <a:srgbClr val="002060"/>
-              </a:solidFill>
-              <a:latin typeface="微軟正黑體" pitchFamily="34" charset="-120"/>
-              <a:ea typeface="微軟正黑體" pitchFamily="34" charset="-120"/>
-            </a:endParaRPr>
-          </a:p>
-          <a:p>
-            <a:pPr algn="ctr">
-              <a:buNone/>
-            </a:pPr>
-            <a:r>
-              <a:rPr lang="zh-TW" altLang="en-US" sz="4800" b="1" dirty="0" smtClean="0">
-                <a:solidFill>
-                  <a:srgbClr val="002060"/>
-                </a:solidFill>
-                <a:latin typeface="微軟正黑體" pitchFamily="34" charset="-120"/>
-                <a:ea typeface="微軟正黑體" pitchFamily="34" charset="-120"/>
-              </a:rPr>
-              <a:t>在基督的眼中都是甜</a:t>
+              <a:t>陰天晴天下雨</a:t>
             </a:r>
           </a:p>
         </p:txBody>
       </p:sp>
     </p:spTree>
+    <p:extLst>
+      <p:ext uri="{BB962C8B-B14F-4D97-AF65-F5344CB8AC3E}">
+        <p14:creationId xmlns:p14="http://schemas.microsoft.com/office/powerpoint/2010/main" val="2991195652"/>
+      </p:ext>
+    </p:extLst>
   </p:cSld>
   <p:clrMapOvr>
     <a:masterClrMapping/>
@@ -3278,44 +3155,186 @@
       </p:grpSpPr>
       <p:sp>
         <p:nvSpPr>
-          <p:cNvPr id="2" name="標題 1"/>
-          <p:cNvSpPr>
-            <a:spLocks noGrp="1"/>
-          </p:cNvSpPr>
-          <p:nvPr>
-            <p:ph type="title"/>
-          </p:nvPr>
-        </p:nvSpPr>
-        <p:spPr/>
-        <p:txBody>
-          <a:bodyPr>
+          <p:cNvPr id="5" name="內容版面配置區 4"/>
+          <p:cNvSpPr>
+            <a:spLocks noGrp="1"/>
+          </p:cNvSpPr>
+          <p:nvPr>
+            <p:ph idx="1"/>
+          </p:nvPr>
+        </p:nvSpPr>
+        <p:spPr>
+          <a:xfrm>
+            <a:off x="0" y="1563638"/>
+            <a:ext cx="9144000" cy="1803647"/>
+          </a:xfrm>
+        </p:spPr>
+        <p:txBody>
+          <a:bodyPr anchor="ctr">
             <a:normAutofit/>
           </a:bodyPr>
           <a:lstStyle/>
           <a:p>
-            <a:r>
-              <a:rPr lang="zh-TW" altLang="en-US" sz="4000" b="1" dirty="0" smtClean="0">
-                <a:solidFill>
-                  <a:srgbClr val="002060"/>
+            <a:pPr algn="ctr">
+              <a:buNone/>
+            </a:pPr>
+            <a:r>
+              <a:rPr lang="zh-TW" altLang="en-US" sz="4800" b="1" dirty="0" smtClean="0">
+                <a:solidFill>
+                  <a:srgbClr val="000066"/>
                 </a:solidFill>
                 <a:latin typeface="微軟正黑體" pitchFamily="34" charset="-120"/>
                 <a:ea typeface="微軟正黑體" pitchFamily="34" charset="-120"/>
               </a:rPr>
-              <a:t>天陰天晴天下雨</a:t>
-            </a:r>
-            <a:endParaRPr lang="zh-TW" altLang="en-US" sz="4000" b="1" dirty="0">
+              <a:t>平</a:t>
+            </a:r>
+            <a:r>
+              <a:rPr lang="zh-TW" altLang="en-US" sz="4800" b="1" dirty="0">
+                <a:solidFill>
+                  <a:srgbClr val="000066"/>
+                </a:solidFill>
+                <a:latin typeface="微軟正黑體" pitchFamily="34" charset="-120"/>
+                <a:ea typeface="微軟正黑體" pitchFamily="34" charset="-120"/>
+              </a:rPr>
+              <a:t>平凡凡的人兒</a:t>
+            </a:r>
+            <a:endParaRPr lang="en-US" altLang="zh-TW" sz="4800" b="1" dirty="0">
               <a:solidFill>
-                <a:srgbClr val="002060"/>
+                <a:srgbClr val="000066"/>
               </a:solidFill>
               <a:latin typeface="微軟正黑體" pitchFamily="34" charset="-120"/>
               <a:ea typeface="微軟正黑體" pitchFamily="34" charset="-120"/>
             </a:endParaRPr>
           </a:p>
-        </p:txBody>
-      </p:sp>
-      <p:sp>
-        <p:nvSpPr>
-          <p:cNvPr id="3" name="內容版面配置區 2"/>
+          <a:p>
+            <a:pPr algn="ctr">
+              <a:buNone/>
+            </a:pPr>
+            <a:r>
+              <a:rPr lang="zh-TW" altLang="en-US" sz="4800" b="1" dirty="0">
+                <a:solidFill>
+                  <a:srgbClr val="000066"/>
+                </a:solidFill>
+                <a:latin typeface="微軟正黑體" pitchFamily="34" charset="-120"/>
+                <a:ea typeface="微軟正黑體" pitchFamily="34" charset="-120"/>
+              </a:rPr>
+              <a:t>和平平凡凡的笑臉</a:t>
+            </a:r>
+            <a:endParaRPr lang="en-US" altLang="zh-TW" sz="4800" b="1" dirty="0">
+              <a:solidFill>
+                <a:srgbClr val="000066"/>
+              </a:solidFill>
+              <a:latin typeface="微軟正黑體" pitchFamily="34" charset="-120"/>
+              <a:ea typeface="微軟正黑體" pitchFamily="34" charset="-120"/>
+            </a:endParaRPr>
+          </a:p>
+        </p:txBody>
+      </p:sp>
+      <p:sp>
+        <p:nvSpPr>
+          <p:cNvPr id="3" name="TextBox 2"/>
+          <p:cNvSpPr txBox="1"/>
+          <p:nvPr/>
+        </p:nvSpPr>
+        <p:spPr>
+          <a:xfrm>
+            <a:off x="0" y="3867894"/>
+            <a:ext cx="9144000" cy="523220"/>
+          </a:xfrm>
+          <a:prstGeom prst="rect">
+            <a:avLst/>
+          </a:prstGeom>
+          <a:noFill/>
+        </p:spPr>
+        <p:txBody>
+          <a:bodyPr wrap="square" rtlCol="0">
+            <a:spAutoFit/>
+          </a:bodyPr>
+          <a:lstStyle/>
+          <a:p>
+            <a:pPr algn="ctr"/>
+            <a:r>
+              <a:rPr lang="en-US" sz="2800" b="1" dirty="0" smtClean="0">
+                <a:solidFill>
+                  <a:srgbClr val="000066"/>
+                </a:solidFill>
+                <a:latin typeface="Microsoft JhengHei" panose="020B0604030504040204" pitchFamily="34" charset="-120"/>
+                <a:ea typeface="Microsoft JhengHei" panose="020B0604030504040204" pitchFamily="34" charset="-120"/>
+              </a:rPr>
+              <a:t>( </a:t>
+            </a:r>
+            <a:r>
+              <a:rPr lang="zh-CN" altLang="en-US" sz="2800" b="1" dirty="0" smtClean="0">
+                <a:solidFill>
+                  <a:srgbClr val="000066"/>
+                </a:solidFill>
+                <a:latin typeface="Microsoft JhengHei" panose="020B0604030504040204" pitchFamily="34" charset="-120"/>
+                <a:ea typeface="Microsoft JhengHei" panose="020B0604030504040204" pitchFamily="34" charset="-120"/>
+              </a:rPr>
+              <a:t>正歌</a:t>
+            </a:r>
+            <a:r>
+              <a:rPr lang="en-US" sz="2800" b="1" dirty="0" smtClean="0">
+                <a:solidFill>
+                  <a:srgbClr val="000066"/>
+                </a:solidFill>
+                <a:latin typeface="Microsoft JhengHei" panose="020B0604030504040204" pitchFamily="34" charset="-120"/>
+                <a:ea typeface="Microsoft JhengHei" panose="020B0604030504040204" pitchFamily="34" charset="-120"/>
+              </a:rPr>
+              <a:t> </a:t>
+            </a:r>
+            <a:r>
+              <a:rPr lang="en-US" sz="2800" b="1" dirty="0" smtClean="0">
+                <a:solidFill>
+                  <a:srgbClr val="000066"/>
+                </a:solidFill>
+                <a:latin typeface="Microsoft JhengHei" panose="020B0604030504040204" pitchFamily="34" charset="-120"/>
+                <a:ea typeface="Microsoft JhengHei" panose="020B0604030504040204" pitchFamily="34" charset="-120"/>
+              </a:rPr>
+              <a:t>)</a:t>
+            </a:r>
+            <a:endParaRPr lang="vi-VN" sz="2800" b="1" dirty="0">
+              <a:solidFill>
+                <a:srgbClr val="000066"/>
+              </a:solidFill>
+              <a:ea typeface="Microsoft JhengHei" panose="020B0604030504040204" pitchFamily="34" charset="-120"/>
+            </a:endParaRPr>
+          </a:p>
+        </p:txBody>
+      </p:sp>
+    </p:spTree>
+    <p:extLst>
+      <p:ext uri="{BB962C8B-B14F-4D97-AF65-F5344CB8AC3E}">
+        <p14:creationId xmlns:p14="http://schemas.microsoft.com/office/powerpoint/2010/main" val="932883606"/>
+      </p:ext>
+    </p:extLst>
+  </p:cSld>
+  <p:clrMapOvr>
+    <a:masterClrMapping/>
+  </p:clrMapOvr>
+</p:sld>
+</file>
+
+<file path=ppt/slides/slide3.xml><?xml version="1.0" encoding="utf-8"?>
+<p:sld xmlns:a="http://schemas.openxmlformats.org/drawingml/2006/main" xmlns:r="http://schemas.openxmlformats.org/officeDocument/2006/relationships" xmlns:p="http://schemas.openxmlformats.org/presentationml/2006/main">
+  <p:cSld>
+    <p:spTree>
+      <p:nvGrpSpPr>
+        <p:cNvPr id="1" name=""/>
+        <p:cNvGrpSpPr/>
+        <p:nvPr/>
+      </p:nvGrpSpPr>
+      <p:grpSpPr>
+        <a:xfrm>
+          <a:off x="0" y="0"/>
+          <a:ext cx="0" cy="0"/>
+          <a:chOff x="0" y="0"/>
+          <a:chExt cx="0" cy="0"/>
+        </a:xfrm>
+      </p:grpSpPr>
+      <p:sp>
+        <p:nvSpPr>
+          <p:cNvPr id="5" name="內容版面配置區 4"/>
           <p:cNvSpPr>
             <a:spLocks noGrp="1"/>
           </p:cNvSpPr>
@@ -3323,10 +3342,15 @@
             <p:ph idx="1"/>
           </p:nvPr>
         </p:nvSpPr>
-        <p:spPr/>
-        <p:txBody>
-          <a:bodyPr>
-            <a:noAutofit/>
+        <p:spPr>
+          <a:xfrm>
+            <a:off x="0" y="1563638"/>
+            <a:ext cx="9144000" cy="1803647"/>
+          </a:xfrm>
+        </p:spPr>
+        <p:txBody>
+          <a:bodyPr anchor="ctr">
+            <a:normAutofit/>
           </a:bodyPr>
           <a:lstStyle/>
           <a:p>
@@ -3334,18 +3358,200 @@
               <a:buNone/>
             </a:pPr>
             <a:r>
-              <a:rPr lang="zh-TW" altLang="en-US" sz="4800" b="1" dirty="0" smtClean="0">
-                <a:solidFill>
-                  <a:srgbClr val="002060"/>
+              <a:rPr lang="zh-TW" altLang="en-US" sz="4800" b="1" dirty="0">
+                <a:solidFill>
+                  <a:srgbClr val="000066"/>
+                </a:solidFill>
+                <a:latin typeface="微軟正黑體" pitchFamily="34" charset="-120"/>
+                <a:ea typeface="微軟正黑體" pitchFamily="34" charset="-120"/>
+              </a:rPr>
+              <a:t>是怪  或是醜</a:t>
+            </a:r>
+            <a:r>
+              <a:rPr lang="en-US" altLang="zh-TW" sz="4800" b="1" dirty="0">
+                <a:solidFill>
+                  <a:srgbClr val="000066"/>
+                </a:solidFill>
+                <a:latin typeface="微軟正黑體" pitchFamily="34" charset="-120"/>
+                <a:ea typeface="微軟正黑體" pitchFamily="34" charset="-120"/>
+              </a:rPr>
+              <a:t>  </a:t>
+            </a:r>
+            <a:r>
+              <a:rPr lang="zh-TW" altLang="en-US" sz="4800" b="1" dirty="0">
+                <a:solidFill>
+                  <a:srgbClr val="000066"/>
+                </a:solidFill>
+                <a:latin typeface="微軟正黑體" pitchFamily="34" charset="-120"/>
+                <a:ea typeface="微軟正黑體" pitchFamily="34" charset="-120"/>
+              </a:rPr>
+              <a:t>或是多漂亮</a:t>
+            </a:r>
+            <a:endParaRPr lang="en-US" altLang="zh-TW" sz="4800" b="1" dirty="0">
+              <a:solidFill>
+                <a:srgbClr val="000066"/>
+              </a:solidFill>
+              <a:latin typeface="微軟正黑體" pitchFamily="34" charset="-120"/>
+              <a:ea typeface="微軟正黑體" pitchFamily="34" charset="-120"/>
+            </a:endParaRPr>
+          </a:p>
+          <a:p>
+            <a:pPr algn="ctr">
+              <a:buNone/>
+            </a:pPr>
+            <a:r>
+              <a:rPr lang="zh-TW" altLang="en-US" sz="4800" b="1" dirty="0">
+                <a:solidFill>
+                  <a:srgbClr val="000066"/>
+                </a:solidFill>
+                <a:latin typeface="微軟正黑體" pitchFamily="34" charset="-120"/>
+                <a:ea typeface="微軟正黑體" pitchFamily="34" charset="-120"/>
+              </a:rPr>
+              <a:t>在基督的眼中都是甜</a:t>
+            </a:r>
+          </a:p>
+        </p:txBody>
+      </p:sp>
+      <p:sp>
+        <p:nvSpPr>
+          <p:cNvPr id="3" name="TextBox 2"/>
+          <p:cNvSpPr txBox="1"/>
+          <p:nvPr/>
+        </p:nvSpPr>
+        <p:spPr>
+          <a:xfrm>
+            <a:off x="0" y="3867894"/>
+            <a:ext cx="9144000" cy="523220"/>
+          </a:xfrm>
+          <a:prstGeom prst="rect">
+            <a:avLst/>
+          </a:prstGeom>
+          <a:noFill/>
+        </p:spPr>
+        <p:txBody>
+          <a:bodyPr wrap="square" rtlCol="0">
+            <a:spAutoFit/>
+          </a:bodyPr>
+          <a:lstStyle/>
+          <a:p>
+            <a:pPr algn="ctr"/>
+            <a:r>
+              <a:rPr lang="en-US" sz="2800" b="1" dirty="0" smtClean="0">
+                <a:solidFill>
+                  <a:srgbClr val="000066"/>
+                </a:solidFill>
+                <a:latin typeface="Microsoft JhengHei" panose="020B0604030504040204" pitchFamily="34" charset="-120"/>
+                <a:ea typeface="Microsoft JhengHei" panose="020B0604030504040204" pitchFamily="34" charset="-120"/>
+              </a:rPr>
+              <a:t>( </a:t>
+            </a:r>
+            <a:r>
+              <a:rPr lang="zh-CN" altLang="en-US" sz="2800" b="1" dirty="0" smtClean="0">
+                <a:solidFill>
+                  <a:srgbClr val="000066"/>
+                </a:solidFill>
+                <a:latin typeface="Microsoft JhengHei" panose="020B0604030504040204" pitchFamily="34" charset="-120"/>
+                <a:ea typeface="Microsoft JhengHei" panose="020B0604030504040204" pitchFamily="34" charset="-120"/>
+              </a:rPr>
+              <a:t>正歌</a:t>
+            </a:r>
+            <a:r>
+              <a:rPr lang="en-US" sz="2800" b="1" dirty="0" smtClean="0">
+                <a:solidFill>
+                  <a:srgbClr val="000066"/>
+                </a:solidFill>
+                <a:latin typeface="Microsoft JhengHei" panose="020B0604030504040204" pitchFamily="34" charset="-120"/>
+                <a:ea typeface="Microsoft JhengHei" panose="020B0604030504040204" pitchFamily="34" charset="-120"/>
+              </a:rPr>
+              <a:t> </a:t>
+            </a:r>
+            <a:r>
+              <a:rPr lang="en-US" sz="2800" b="1" dirty="0" smtClean="0">
+                <a:solidFill>
+                  <a:srgbClr val="000066"/>
+                </a:solidFill>
+                <a:latin typeface="Microsoft JhengHei" panose="020B0604030504040204" pitchFamily="34" charset="-120"/>
+                <a:ea typeface="Microsoft JhengHei" panose="020B0604030504040204" pitchFamily="34" charset="-120"/>
+              </a:rPr>
+              <a:t>)</a:t>
+            </a:r>
+            <a:endParaRPr lang="vi-VN" sz="2800" b="1" dirty="0">
+              <a:solidFill>
+                <a:srgbClr val="000066"/>
+              </a:solidFill>
+              <a:ea typeface="Microsoft JhengHei" panose="020B0604030504040204" pitchFamily="34" charset="-120"/>
+            </a:endParaRPr>
+          </a:p>
+        </p:txBody>
+      </p:sp>
+    </p:spTree>
+    <p:extLst>
+      <p:ext uri="{BB962C8B-B14F-4D97-AF65-F5344CB8AC3E}">
+        <p14:creationId xmlns:p14="http://schemas.microsoft.com/office/powerpoint/2010/main" val="2426608896"/>
+      </p:ext>
+    </p:extLst>
+  </p:cSld>
+  <p:clrMapOvr>
+    <a:masterClrMapping/>
+  </p:clrMapOvr>
+</p:sld>
+</file>
+
+<file path=ppt/slides/slide4.xml><?xml version="1.0" encoding="utf-8"?>
+<p:sld xmlns:a="http://schemas.openxmlformats.org/drawingml/2006/main" xmlns:r="http://schemas.openxmlformats.org/officeDocument/2006/relationships" xmlns:p="http://schemas.openxmlformats.org/presentationml/2006/main">
+  <p:cSld>
+    <p:spTree>
+      <p:nvGrpSpPr>
+        <p:cNvPr id="1" name=""/>
+        <p:cNvGrpSpPr/>
+        <p:nvPr/>
+      </p:nvGrpSpPr>
+      <p:grpSpPr>
+        <a:xfrm>
+          <a:off x="0" y="0"/>
+          <a:ext cx="0" cy="0"/>
+          <a:chOff x="0" y="0"/>
+          <a:chExt cx="0" cy="0"/>
+        </a:xfrm>
+      </p:grpSpPr>
+      <p:sp>
+        <p:nvSpPr>
+          <p:cNvPr id="5" name="內容版面配置區 4"/>
+          <p:cNvSpPr>
+            <a:spLocks noGrp="1"/>
+          </p:cNvSpPr>
+          <p:nvPr>
+            <p:ph idx="1"/>
+          </p:nvPr>
+        </p:nvSpPr>
+        <p:spPr>
+          <a:xfrm>
+            <a:off x="0" y="1563638"/>
+            <a:ext cx="9144000" cy="1803647"/>
+          </a:xfrm>
+        </p:spPr>
+        <p:txBody>
+          <a:bodyPr anchor="ctr">
+            <a:normAutofit/>
+          </a:bodyPr>
+          <a:lstStyle/>
+          <a:p>
+            <a:pPr algn="ctr">
+              <a:buNone/>
+            </a:pPr>
+            <a:r>
+              <a:rPr lang="zh-TW" altLang="en-US" sz="4800" b="1" dirty="0">
+                <a:solidFill>
+                  <a:srgbClr val="000066"/>
                 </a:solidFill>
                 <a:latin typeface="微軟正黑體" pitchFamily="34" charset="-120"/>
                 <a:ea typeface="微軟正黑體" pitchFamily="34" charset="-120"/>
               </a:rPr>
               <a:t>就算天陰天晴天下雨</a:t>
             </a:r>
-            <a:endParaRPr lang="en-US" altLang="zh-TW" sz="4800" b="1" dirty="0" smtClean="0">
+            <a:endParaRPr lang="en-US" altLang="zh-TW" sz="4800" b="1" dirty="0">
               <a:solidFill>
-                <a:srgbClr val="002060"/>
+                <a:srgbClr val="000066"/>
               </a:solidFill>
               <a:latin typeface="微軟正黑體" pitchFamily="34" charset="-120"/>
               <a:ea typeface="微軟正黑體" pitchFamily="34" charset="-120"/>
@@ -3356,40 +3562,165 @@
               <a:buNone/>
             </a:pPr>
             <a:r>
-              <a:rPr lang="zh-TW" altLang="en-US" sz="4800" b="1" dirty="0" smtClean="0">
-                <a:solidFill>
-                  <a:srgbClr val="002060"/>
+              <a:rPr lang="zh-TW" altLang="en-US" sz="4800" b="1" dirty="0">
+                <a:solidFill>
+                  <a:srgbClr val="000066"/>
                 </a:solidFill>
                 <a:latin typeface="微軟正黑體" pitchFamily="34" charset="-120"/>
                 <a:ea typeface="微軟正黑體" pitchFamily="34" charset="-120"/>
               </a:rPr>
               <a:t>主都會錫住你</a:t>
             </a:r>
-            <a:endParaRPr lang="en-US" altLang="zh-TW" sz="4800" b="1" dirty="0" smtClean="0">
+            <a:endParaRPr lang="en-US" altLang="zh-TW" sz="4800" b="1" dirty="0">
               <a:solidFill>
-                <a:srgbClr val="002060"/>
+                <a:srgbClr val="000066"/>
               </a:solidFill>
               <a:latin typeface="微軟正黑體" pitchFamily="34" charset="-120"/>
               <a:ea typeface="微軟正黑體" pitchFamily="34" charset="-120"/>
             </a:endParaRPr>
           </a:p>
+        </p:txBody>
+      </p:sp>
+      <p:sp>
+        <p:nvSpPr>
+          <p:cNvPr id="3" name="TextBox 2"/>
+          <p:cNvSpPr txBox="1"/>
+          <p:nvPr/>
+        </p:nvSpPr>
+        <p:spPr>
+          <a:xfrm>
+            <a:off x="0" y="3867894"/>
+            <a:ext cx="9144000" cy="523220"/>
+          </a:xfrm>
+          <a:prstGeom prst="rect">
+            <a:avLst/>
+          </a:prstGeom>
+          <a:noFill/>
+        </p:spPr>
+        <p:txBody>
+          <a:bodyPr wrap="square" rtlCol="0">
+            <a:spAutoFit/>
+          </a:bodyPr>
+          <a:lstStyle/>
+          <a:p>
+            <a:pPr algn="ctr"/>
+            <a:r>
+              <a:rPr lang="en-US" sz="2800" b="1" dirty="0" smtClean="0">
+                <a:solidFill>
+                  <a:srgbClr val="000066"/>
+                </a:solidFill>
+                <a:latin typeface="Microsoft JhengHei" panose="020B0604030504040204" pitchFamily="34" charset="-120"/>
+                <a:ea typeface="Microsoft JhengHei" panose="020B0604030504040204" pitchFamily="34" charset="-120"/>
+              </a:rPr>
+              <a:t>( </a:t>
+            </a:r>
+            <a:r>
+              <a:rPr lang="zh-CN" altLang="en-US" sz="2800" b="1" dirty="0" smtClean="0">
+                <a:solidFill>
+                  <a:srgbClr val="000066"/>
+                </a:solidFill>
+                <a:latin typeface="Microsoft JhengHei" panose="020B0604030504040204" pitchFamily="34" charset="-120"/>
+                <a:ea typeface="Microsoft JhengHei" panose="020B0604030504040204" pitchFamily="34" charset="-120"/>
+              </a:rPr>
+              <a:t>副歌</a:t>
+            </a:r>
+            <a:r>
+              <a:rPr lang="en-US" sz="2800" b="1" dirty="0" smtClean="0">
+                <a:solidFill>
+                  <a:srgbClr val="000066"/>
+                </a:solidFill>
+                <a:latin typeface="Microsoft JhengHei" panose="020B0604030504040204" pitchFamily="34" charset="-120"/>
+                <a:ea typeface="Microsoft JhengHei" panose="020B0604030504040204" pitchFamily="34" charset="-120"/>
+              </a:rPr>
+              <a:t> </a:t>
+            </a:r>
+            <a:r>
+              <a:rPr lang="en-US" sz="2800" b="1" dirty="0" smtClean="0">
+                <a:solidFill>
+                  <a:srgbClr val="000066"/>
+                </a:solidFill>
+                <a:latin typeface="Microsoft JhengHei" panose="020B0604030504040204" pitchFamily="34" charset="-120"/>
+                <a:ea typeface="Microsoft JhengHei" panose="020B0604030504040204" pitchFamily="34" charset="-120"/>
+              </a:rPr>
+              <a:t>)</a:t>
+            </a:r>
+            <a:endParaRPr lang="vi-VN" sz="2800" b="1" dirty="0">
+              <a:solidFill>
+                <a:srgbClr val="000066"/>
+              </a:solidFill>
+              <a:ea typeface="Microsoft JhengHei" panose="020B0604030504040204" pitchFamily="34" charset="-120"/>
+            </a:endParaRPr>
+          </a:p>
+        </p:txBody>
+      </p:sp>
+    </p:spTree>
+    <p:extLst>
+      <p:ext uri="{BB962C8B-B14F-4D97-AF65-F5344CB8AC3E}">
+        <p14:creationId xmlns:p14="http://schemas.microsoft.com/office/powerpoint/2010/main" val="1255512281"/>
+      </p:ext>
+    </p:extLst>
+  </p:cSld>
+  <p:clrMapOvr>
+    <a:masterClrMapping/>
+  </p:clrMapOvr>
+</p:sld>
+</file>
+
+<file path=ppt/slides/slide5.xml><?xml version="1.0" encoding="utf-8"?>
+<p:sld xmlns:a="http://schemas.openxmlformats.org/drawingml/2006/main" xmlns:r="http://schemas.openxmlformats.org/officeDocument/2006/relationships" xmlns:p="http://schemas.openxmlformats.org/presentationml/2006/main">
+  <p:cSld>
+    <p:spTree>
+      <p:nvGrpSpPr>
+        <p:cNvPr id="1" name=""/>
+        <p:cNvGrpSpPr/>
+        <p:nvPr/>
+      </p:nvGrpSpPr>
+      <p:grpSpPr>
+        <a:xfrm>
+          <a:off x="0" y="0"/>
+          <a:ext cx="0" cy="0"/>
+          <a:chOff x="0" y="0"/>
+          <a:chExt cx="0" cy="0"/>
+        </a:xfrm>
+      </p:grpSpPr>
+      <p:sp>
+        <p:nvSpPr>
+          <p:cNvPr id="5" name="內容版面配置區 4"/>
+          <p:cNvSpPr>
+            <a:spLocks noGrp="1"/>
+          </p:cNvSpPr>
+          <p:nvPr>
+            <p:ph idx="1"/>
+          </p:nvPr>
+        </p:nvSpPr>
+        <p:spPr>
+          <a:xfrm>
+            <a:off x="0" y="1563638"/>
+            <a:ext cx="9144000" cy="1803647"/>
+          </a:xfrm>
+        </p:spPr>
+        <p:txBody>
+          <a:bodyPr anchor="ctr">
+            <a:normAutofit/>
+          </a:bodyPr>
+          <a:lstStyle/>
           <a:p>
             <a:pPr algn="ctr">
               <a:buNone/>
             </a:pPr>
             <a:r>
-              <a:rPr lang="zh-TW" altLang="en-US" sz="4800" b="1" dirty="0" smtClean="0">
-                <a:solidFill>
-                  <a:srgbClr val="002060"/>
+              <a:rPr lang="zh-TW" altLang="en-US" sz="4800" b="1" dirty="0">
+                <a:solidFill>
+                  <a:srgbClr val="000066"/>
                 </a:solidFill>
                 <a:latin typeface="微軟正黑體" pitchFamily="34" charset="-120"/>
                 <a:ea typeface="微軟正黑體" pitchFamily="34" charset="-120"/>
               </a:rPr>
               <a:t>就算天陰天晴天下雨</a:t>
             </a:r>
-            <a:endParaRPr lang="en-US" altLang="zh-TW" sz="4800" b="1" dirty="0" smtClean="0">
+            <a:endParaRPr lang="en-US" altLang="zh-TW" sz="4800" b="1" dirty="0">
               <a:solidFill>
-                <a:srgbClr val="002060"/>
+                <a:srgbClr val="000066"/>
               </a:solidFill>
               <a:latin typeface="微軟正黑體" pitchFamily="34" charset="-120"/>
               <a:ea typeface="微軟正黑體" pitchFamily="34" charset="-120"/>
@@ -3400,9 +3731,9 @@
               <a:buNone/>
             </a:pPr>
             <a:r>
-              <a:rPr lang="zh-TW" altLang="en-US" sz="4800" b="1" dirty="0" smtClean="0">
-                <a:solidFill>
-                  <a:srgbClr val="002060"/>
+              <a:rPr lang="zh-TW" altLang="en-US" sz="4800" b="1" dirty="0">
+                <a:solidFill>
+                  <a:srgbClr val="000066"/>
                 </a:solidFill>
                 <a:latin typeface="微軟正黑體" pitchFamily="34" charset="-120"/>
                 <a:ea typeface="微軟正黑體" pitchFamily="34" charset="-120"/>
@@ -3410,9 +3741,9 @@
               <a:t>主</a:t>
             </a:r>
             <a:r>
-              <a:rPr lang="zh-CN" altLang="en-US" sz="4800" b="1" dirty="0" smtClean="0">
-                <a:solidFill>
-                  <a:srgbClr val="002060"/>
+              <a:rPr lang="zh-CN" altLang="en-US" sz="4800" b="1" dirty="0">
+                <a:solidFill>
+                  <a:srgbClr val="000066"/>
                 </a:solidFill>
                 <a:latin typeface="微軟正黑體" pitchFamily="34" charset="-120"/>
                 <a:ea typeface="微軟正黑體" pitchFamily="34" charset="-120"/>
@@ -3420,9 +3751,9 @@
               <a:t>都</a:t>
             </a:r>
             <a:r>
-              <a:rPr lang="zh-TW" altLang="en-US" sz="4800" b="1" dirty="0" smtClean="0">
-                <a:solidFill>
-                  <a:srgbClr val="002060"/>
+              <a:rPr lang="zh-TW" altLang="en-US" sz="4800" b="1" dirty="0">
+                <a:solidFill>
+                  <a:srgbClr val="000066"/>
                 </a:solidFill>
                 <a:latin typeface="微軟正黑體" pitchFamily="34" charset="-120"/>
                 <a:ea typeface="微軟正黑體" pitchFamily="34" charset="-120"/>
@@ -3432,7 +3763,84 @@
           </a:p>
         </p:txBody>
       </p:sp>
+      <p:sp>
+        <p:nvSpPr>
+          <p:cNvPr id="3" name="TextBox 2"/>
+          <p:cNvSpPr txBox="1"/>
+          <p:nvPr/>
+        </p:nvSpPr>
+        <p:spPr>
+          <a:xfrm>
+            <a:off x="0" y="3867894"/>
+            <a:ext cx="9144000" cy="523220"/>
+          </a:xfrm>
+          <a:prstGeom prst="rect">
+            <a:avLst/>
+          </a:prstGeom>
+          <a:noFill/>
+        </p:spPr>
+        <p:txBody>
+          <a:bodyPr wrap="square" rtlCol="0">
+            <a:spAutoFit/>
+          </a:bodyPr>
+          <a:lstStyle/>
+          <a:p>
+            <a:pPr algn="ctr"/>
+            <a:r>
+              <a:rPr lang="en-US" sz="2800" b="1" dirty="0" smtClean="0">
+                <a:solidFill>
+                  <a:srgbClr val="000066"/>
+                </a:solidFill>
+                <a:latin typeface="Microsoft JhengHei" panose="020B0604030504040204" pitchFamily="34" charset="-120"/>
+                <a:ea typeface="Microsoft JhengHei" panose="020B0604030504040204" pitchFamily="34" charset="-120"/>
+              </a:rPr>
+              <a:t>( </a:t>
+            </a:r>
+            <a:r>
+              <a:rPr lang="zh-CN" altLang="en-US" sz="2800" b="1" dirty="0" smtClean="0">
+                <a:solidFill>
+                  <a:srgbClr val="000066"/>
+                </a:solidFill>
+                <a:latin typeface="Microsoft JhengHei" panose="020B0604030504040204" pitchFamily="34" charset="-120"/>
+                <a:ea typeface="Microsoft JhengHei" panose="020B0604030504040204" pitchFamily="34" charset="-120"/>
+              </a:rPr>
+              <a:t>副歌</a:t>
+            </a:r>
+            <a:r>
+              <a:rPr lang="en-US" sz="2800" b="1" dirty="0" smtClean="0">
+                <a:solidFill>
+                  <a:srgbClr val="000066"/>
+                </a:solidFill>
+                <a:latin typeface="Microsoft JhengHei" panose="020B0604030504040204" pitchFamily="34" charset="-120"/>
+                <a:ea typeface="Microsoft JhengHei" panose="020B0604030504040204" pitchFamily="34" charset="-120"/>
+              </a:rPr>
+              <a:t> </a:t>
+            </a:r>
+            <a:r>
+              <a:rPr lang="en-US" sz="2800" b="1" dirty="0" smtClean="0">
+                <a:solidFill>
+                  <a:srgbClr val="000066"/>
+                </a:solidFill>
+                <a:latin typeface="Microsoft JhengHei" panose="020B0604030504040204" pitchFamily="34" charset="-120"/>
+                <a:ea typeface="Microsoft JhengHei" panose="020B0604030504040204" pitchFamily="34" charset="-120"/>
+              </a:rPr>
+              <a:t>)</a:t>
+            </a:r>
+            <a:endParaRPr lang="vi-VN" sz="2800" b="1" dirty="0">
+              <a:solidFill>
+                <a:srgbClr val="000066"/>
+              </a:solidFill>
+              <a:ea typeface="Microsoft JhengHei" panose="020B0604030504040204" pitchFamily="34" charset="-120"/>
+            </a:endParaRPr>
+          </a:p>
+        </p:txBody>
+      </p:sp>
     </p:spTree>
+    <p:extLst>
+      <p:ext uri="{BB962C8B-B14F-4D97-AF65-F5344CB8AC3E}">
+        <p14:creationId xmlns:p14="http://schemas.microsoft.com/office/powerpoint/2010/main" val="509096144"/>
+      </p:ext>
+    </p:extLst>
   </p:cSld>
   <p:clrMapOvr>
     <a:masterClrMapping/>
